--- a/assets/banner.pptx
+++ b/assets/banner.pptx
@@ -104,6 +104,11 @@
       </a:defRPr>
     </a:lvl9pPr>
   </p:defaultTextStyle>
+  <p:extLst>
+    <p:ext uri="{EFAFB233-063F-42B5-8137-9DF3F51BA10A}">
+      <p15:sldGuideLst xmlns:p15="http://schemas.microsoft.com/office/powerpoint/2012/main"/>
+    </p:ext>
+  </p:extLst>
 </p:presentation>
 </file>
 
@@ -238,7 +243,7 @@
           <a:p>
             <a:fld id="{7E041AE5-18AC-417F-A332-5802FAE3B657}" type="datetimeFigureOut">
               <a:rPr lang="es-DO" smtClean="0"/>
-              <a:t>27/10/2023</a:t>
+              <a:t>29/10/2023</a:t>
             </a:fld>
             <a:endParaRPr lang="es-DO"/>
           </a:p>
@@ -408,7 +413,7 @@
           <a:p>
             <a:fld id="{7E041AE5-18AC-417F-A332-5802FAE3B657}" type="datetimeFigureOut">
               <a:rPr lang="es-DO" smtClean="0"/>
-              <a:t>27/10/2023</a:t>
+              <a:t>29/10/2023</a:t>
             </a:fld>
             <a:endParaRPr lang="es-DO"/>
           </a:p>
@@ -588,7 +593,7 @@
           <a:p>
             <a:fld id="{7E041AE5-18AC-417F-A332-5802FAE3B657}" type="datetimeFigureOut">
               <a:rPr lang="es-DO" smtClean="0"/>
-              <a:t>27/10/2023</a:t>
+              <a:t>29/10/2023</a:t>
             </a:fld>
             <a:endParaRPr lang="es-DO"/>
           </a:p>
@@ -758,7 +763,7 @@
           <a:p>
             <a:fld id="{7E041AE5-18AC-417F-A332-5802FAE3B657}" type="datetimeFigureOut">
               <a:rPr lang="es-DO" smtClean="0"/>
-              <a:t>27/10/2023</a:t>
+              <a:t>29/10/2023</a:t>
             </a:fld>
             <a:endParaRPr lang="es-DO"/>
           </a:p>
@@ -1004,7 +1009,7 @@
           <a:p>
             <a:fld id="{7E041AE5-18AC-417F-A332-5802FAE3B657}" type="datetimeFigureOut">
               <a:rPr lang="es-DO" smtClean="0"/>
-              <a:t>27/10/2023</a:t>
+              <a:t>29/10/2023</a:t>
             </a:fld>
             <a:endParaRPr lang="es-DO"/>
           </a:p>
@@ -1236,7 +1241,7 @@
           <a:p>
             <a:fld id="{7E041AE5-18AC-417F-A332-5802FAE3B657}" type="datetimeFigureOut">
               <a:rPr lang="es-DO" smtClean="0"/>
-              <a:t>27/10/2023</a:t>
+              <a:t>29/10/2023</a:t>
             </a:fld>
             <a:endParaRPr lang="es-DO"/>
           </a:p>
@@ -1603,7 +1608,7 @@
           <a:p>
             <a:fld id="{7E041AE5-18AC-417F-A332-5802FAE3B657}" type="datetimeFigureOut">
               <a:rPr lang="es-DO" smtClean="0"/>
-              <a:t>27/10/2023</a:t>
+              <a:t>29/10/2023</a:t>
             </a:fld>
             <a:endParaRPr lang="es-DO"/>
           </a:p>
@@ -1721,7 +1726,7 @@
           <a:p>
             <a:fld id="{7E041AE5-18AC-417F-A332-5802FAE3B657}" type="datetimeFigureOut">
               <a:rPr lang="es-DO" smtClean="0"/>
-              <a:t>27/10/2023</a:t>
+              <a:t>29/10/2023</a:t>
             </a:fld>
             <a:endParaRPr lang="es-DO"/>
           </a:p>
@@ -1816,7 +1821,7 @@
           <a:p>
             <a:fld id="{7E041AE5-18AC-417F-A332-5802FAE3B657}" type="datetimeFigureOut">
               <a:rPr lang="es-DO" smtClean="0"/>
-              <a:t>27/10/2023</a:t>
+              <a:t>29/10/2023</a:t>
             </a:fld>
             <a:endParaRPr lang="es-DO"/>
           </a:p>
@@ -2093,7 +2098,7 @@
           <a:p>
             <a:fld id="{7E041AE5-18AC-417F-A332-5802FAE3B657}" type="datetimeFigureOut">
               <a:rPr lang="es-DO" smtClean="0"/>
-              <a:t>27/10/2023</a:t>
+              <a:t>29/10/2023</a:t>
             </a:fld>
             <a:endParaRPr lang="es-DO"/>
           </a:p>
@@ -2350,7 +2355,7 @@
           <a:p>
             <a:fld id="{7E041AE5-18AC-417F-A332-5802FAE3B657}" type="datetimeFigureOut">
               <a:rPr lang="es-DO" smtClean="0"/>
-              <a:t>27/10/2023</a:t>
+              <a:t>29/10/2023</a:t>
             </a:fld>
             <a:endParaRPr lang="es-DO"/>
           </a:p>
@@ -2563,7 +2568,7 @@
           <a:p>
             <a:fld id="{7E041AE5-18AC-417F-A332-5802FAE3B657}" type="datetimeFigureOut">
               <a:rPr lang="es-DO" smtClean="0"/>
-              <a:t>27/10/2023</a:t>
+              <a:t>29/10/2023</a:t>
             </a:fld>
             <a:endParaRPr lang="es-DO"/>
           </a:p>
@@ -3067,8 +3072,8 @@
         </p:nvSpPr>
         <p:spPr>
           <a:xfrm>
-            <a:off x="595325" y="880870"/>
-            <a:ext cx="8867749" cy="1015663"/>
+            <a:off x="515155" y="862886"/>
+            <a:ext cx="9008381" cy="1033648"/>
           </a:xfrm>
           <a:prstGeom prst="rect">
             <a:avLst/>
@@ -3076,7 +3081,7 @@
           <a:noFill/>
         </p:spPr>
         <p:txBody>
-          <a:bodyPr wrap="none" lIns="91440" tIns="45720" rIns="91440" bIns="45720">
+          <a:bodyPr wrap="square" lIns="91440" tIns="45720" rIns="91440" bIns="45720">
             <a:spAutoFit/>
           </a:bodyPr>
           <a:lstStyle/>
@@ -3084,17 +3089,14 @@
             <a:pPr algn="ctr"/>
             <a:r>
               <a:rPr lang="en-US" sz="6000" b="1" dirty="0">
-                <a:ln w="13462">
+                <a:ln w="28575">
                   <a:solidFill>
-                    <a:schemeClr val="bg1"/>
+                    <a:schemeClr val="tx1"/>
                   </a:solidFill>
                   <a:prstDash val="solid"/>
                 </a:ln>
                 <a:solidFill>
-                  <a:schemeClr val="tx1">
-                    <a:lumMod val="85000"/>
-                    <a:lumOff val="15000"/>
-                  </a:schemeClr>
+                  <a:srgbClr val="F2A16A"/>
                 </a:solidFill>
                 <a:effectLst>
                   <a:glow rad="101600">
@@ -3103,12 +3105,9 @@
                       <a:alpha val="40000"/>
                     </a:schemeClr>
                   </a:glow>
-                  <a:outerShdw dist="38100" dir="2700000" algn="bl" rotWithShape="0">
-                    <a:schemeClr val="accent5"/>
-                  </a:outerShdw>
                 </a:effectLst>
               </a:rPr>
-              <a:t>NCY TAXI TIPS PREDICTONS</a:t>
+              <a:t>How to Boost Your Taxi Tips</a:t>
             </a:r>
           </a:p>
         </p:txBody>
